--- a/Lectures/Week7/Vectors.pptx
+++ b/Lectures/Week7/Vectors.pptx
@@ -2285,7 +2285,7 @@
           <a:p>
             <a:fld id="{1160EA64-D806-43AC-9DF2-F8C432F32B4C}" type="datetimeFigureOut">
               <a:rPr lang="en-US" dirty="0"/>
-              <a:t>7/11/21</a:t>
+              <a:t>7/14/21</a:t>
             </a:fld>
             <a:endParaRPr lang="en-US" dirty="0"/>
           </a:p>
@@ -2457,7 +2457,7 @@
           <a:p>
             <a:fld id="{F070A7B3-6521-4DCA-87E5-044747A908C1}" type="datetimeFigureOut">
               <a:rPr lang="en-US" dirty="0"/>
-              <a:t>7/11/21</a:t>
+              <a:t>7/14/21</a:t>
             </a:fld>
             <a:endParaRPr lang="en-US" dirty="0"/>
           </a:p>
@@ -2729,7 +2729,7 @@
           <a:p>
             <a:fld id="{1160EA64-D806-43AC-9DF2-F8C432F32B4C}" type="datetimeFigureOut">
               <a:rPr lang="en-US" dirty="0"/>
-              <a:t>7/11/21</a:t>
+              <a:t>7/14/21</a:t>
             </a:fld>
             <a:endParaRPr lang="en-US" dirty="0"/>
           </a:p>
@@ -2963,7 +2963,7 @@
           <a:p>
             <a:fld id="{AB134690-1557-4C89-A502-4959FE7FAD70}" type="datetimeFigureOut">
               <a:rPr lang="en-US" dirty="0"/>
-              <a:t>7/11/21</a:t>
+              <a:t>7/14/21</a:t>
             </a:fld>
             <a:endParaRPr lang="en-US" dirty="0"/>
           </a:p>
@@ -3323,7 +3323,7 @@
           <a:p>
             <a:fld id="{4F7D4976-E339-4826-83B7-FBD03F55ECF8}" type="datetimeFigureOut">
               <a:rPr lang="en-US" dirty="0"/>
-              <a:t>7/11/21</a:t>
+              <a:t>7/14/21</a:t>
             </a:fld>
             <a:endParaRPr lang="en-US" dirty="0"/>
           </a:p>
@@ -3465,7 +3465,7 @@
           <a:p>
             <a:fld id="{E1037C31-9E7A-4F99-8774-A0E530DE1A42}" type="datetimeFigureOut">
               <a:rPr lang="en-US" dirty="0"/>
-              <a:t>7/11/21</a:t>
+              <a:t>7/14/21</a:t>
             </a:fld>
             <a:endParaRPr lang="en-US" dirty="0"/>
           </a:p>
@@ -3563,7 +3563,7 @@
           <a:p>
             <a:fld id="{C278504F-A551-4DE0-9316-4DCD1D8CC752}" type="datetimeFigureOut">
               <a:rPr lang="en-US" dirty="0"/>
-              <a:t>7/11/21</a:t>
+              <a:t>7/14/21</a:t>
             </a:fld>
             <a:endParaRPr lang="en-US" dirty="0"/>
           </a:p>
@@ -3921,7 +3921,7 @@
           <a:p>
             <a:fld id="{D1BE4249-C0D0-4B06-8692-E8BB871AF643}" type="datetimeFigureOut">
               <a:rPr lang="en-US" dirty="0"/>
-              <a:t>7/11/21</a:t>
+              <a:t>7/14/21</a:t>
             </a:fld>
             <a:endParaRPr lang="en-US" dirty="0"/>
           </a:p>
@@ -4512,7 +4512,7 @@
           <a:p>
             <a:fld id="{042B0DB6-F5C7-45FB-8CF3-31B45F9C2DAC}" type="datetimeFigureOut">
               <a:rPr lang="en-US" dirty="0"/>
-              <a:t>7/11/21</a:t>
+              <a:t>7/14/21</a:t>
             </a:fld>
             <a:endParaRPr lang="en-US" dirty="0"/>
           </a:p>
@@ -4698,7 +4698,7 @@
           <a:p>
             <a:fld id="{E9F9C37B-1D36-470B-8223-D6C91242EC14}" type="datetimeFigureOut">
               <a:rPr lang="en-US" dirty="0"/>
-              <a:t>7/11/21</a:t>
+              <a:t>7/14/21</a:t>
             </a:fld>
             <a:endParaRPr lang="en-US" dirty="0"/>
           </a:p>
@@ -4879,7 +4879,7 @@
           <a:p>
             <a:fld id="{67C6F52A-A82B-47A2-A83A-8C4C91F2D59F}" type="datetimeFigureOut">
               <a:rPr lang="en-US" dirty="0"/>
-              <a:t>7/11/21</a:t>
+              <a:t>7/14/21</a:t>
             </a:fld>
             <a:endParaRPr lang="en-US" dirty="0"/>
           </a:p>
@@ -9744,7 +9744,7 @@
           <a:p>
             <a:fld id="{1160EA64-D806-43AC-9DF2-F8C432F32B4C}" type="datetimeFigureOut">
               <a:rPr lang="en-US" dirty="0"/>
-              <a:t>7/11/21</a:t>
+              <a:t>7/14/21</a:t>
             </a:fld>
             <a:endParaRPr lang="en-US" dirty="0"/>
           </a:p>
@@ -10496,7 +10496,23 @@
                   <a:schemeClr val="tx1"/>
                 </a:solidFill>
               </a:rPr>
-              <a:t>They have methods to change they vector</a:t>
+              <a:t>They have methods to </a:t>
+            </a:r>
+            <a:r>
+              <a:rPr lang="en-US">
+                <a:solidFill>
+                  <a:schemeClr val="tx1"/>
+                </a:solidFill>
+              </a:rPr>
+              <a:t>change the </a:t>
+            </a:r>
+            <a:r>
+              <a:rPr lang="en-US" dirty="0">
+                <a:solidFill>
+                  <a:schemeClr val="tx1"/>
+                </a:solidFill>
+              </a:rPr>
+              <a:t>vector</a:t>
             </a:r>
             <a:endParaRPr lang="en-US" dirty="0"/>
           </a:p>
